--- a/Teaching/Courses/W23/CIS343/LectureNotes/cis343_ch5.pptx
+++ b/Teaching/Courses/W23/CIS343/LectureNotes/cis343_ch5.pptx
@@ -37999,29 +37999,33 @@
             </a:pPr>
             <a:r>
               <a:rPr lang="en-US" dirty="0"/>
-              <a:t> Impossible to statically type check</a:t>
-            </a:r>
-          </a:p>
-          <a:p>
-            <a:pPr lvl="2">
+              <a:t>Impossible to statically type check</a:t>
+            </a:r>
+          </a:p>
+          <a:p>
+            <a:pPr marL="1381125" lvl="2" indent="-466725">
               <a:buFontTx/>
               <a:buNone/>
               <a:defRPr/>
             </a:pPr>
             <a:r>
               <a:rPr lang="en-US" dirty="0"/>
-              <a:t>3. Poor readability- it is not possible to statically</a:t>
-            </a:r>
-          </a:p>
-          <a:p>
-            <a:pPr lvl="2">
+              <a:t>3. 	Poor readability- it is not possible to statically</a:t>
+            </a:r>
+          </a:p>
+          <a:p>
+            <a:pPr marL="1381125" lvl="2" indent="-466725">
               <a:buFontTx/>
               <a:buNone/>
               <a:defRPr/>
             </a:pPr>
             <a:r>
+              <a:rPr lang="en-US"/>
+              <a:t>    	determine </a:t>
+            </a:r>
+            <a:r>
               <a:rPr lang="en-US" dirty="0"/>
-              <a:t>    determine the type of a variable</a:t>
+              <a:t>the type of a variable</a:t>
             </a:r>
           </a:p>
         </p:txBody>

--- a/Teaching/Courses/W23/CIS343/LectureNotes/cis343_ch5.pptx
+++ b/Teaching/Courses/W23/CIS343/LectureNotes/cis343_ch5.pptx
@@ -333,7 +333,7 @@
               <a:pPr>
                 <a:defRPr/>
               </a:pPr>
-              <a:t>1/2/23</a:t>
+              <a:t>1/28/23</a:t>
             </a:fld>
             <a:endParaRPr lang="en-US"/>
           </a:p>
@@ -430,6 +430,11 @@
         </p:txBody>
       </p:sp>
     </p:spTree>
+    <p:extLst>
+      <p:ext uri="{BB962C8B-B14F-4D97-AF65-F5344CB8AC3E}">
+        <p14:creationId xmlns:p14="http://schemas.microsoft.com/office/powerpoint/2010/main" val="1"/>
+      </p:ext>
+    </p:extLst>
   </p:cSld>
   <p:clrMap bg1="lt1" tx1="dk1" bg2="lt2" tx2="dk2" accent1="accent1" accent2="accent2" accent3="accent3" accent4="accent4" accent5="accent5" accent6="accent6" hlink="hlink" folHlink="folHlink"/>
 </p:handoutMaster>
@@ -582,7 +587,7 @@
             </a:extLst>
           </p:cNvPr>
           <p:cNvSpPr>
-            <a:spLocks noChangeArrowheads="1" noTextEdit="1"/>
+            <a:spLocks noGrp="1" noRot="1" noChangeAspect="1" noChangeArrowheads="1" noTextEdit="1"/>
           </p:cNvSpPr>
           <p:nvPr>
             <p:ph type="sldImg" idx="2"/>
@@ -1116,7 +1121,7 @@
             </a:extLst>
           </p:cNvPr>
           <p:cNvSpPr>
-            <a:spLocks noChangeArrowheads="1" noTextEdit="1"/>
+            <a:spLocks noGrp="1" noRot="1" noChangeAspect="1" noChangeArrowheads="1" noTextEdit="1"/>
           </p:cNvSpPr>
           <p:nvPr>
             <p:ph type="sldImg"/>
@@ -1369,7 +1374,7 @@
             </a:extLst>
           </p:cNvPr>
           <p:cNvSpPr>
-            <a:spLocks noChangeArrowheads="1" noTextEdit="1"/>
+            <a:spLocks noGrp="1" noRot="1" noChangeAspect="1" noChangeArrowheads="1" noTextEdit="1"/>
           </p:cNvSpPr>
           <p:nvPr>
             <p:ph type="sldImg"/>
@@ -1622,7 +1627,7 @@
             </a:extLst>
           </p:cNvPr>
           <p:cNvSpPr>
-            <a:spLocks noChangeArrowheads="1" noTextEdit="1"/>
+            <a:spLocks noGrp="1" noRot="1" noChangeAspect="1" noChangeArrowheads="1" noTextEdit="1"/>
           </p:cNvSpPr>
           <p:nvPr>
             <p:ph type="sldImg"/>
@@ -1875,7 +1880,7 @@
             </a:extLst>
           </p:cNvPr>
           <p:cNvSpPr>
-            <a:spLocks noChangeArrowheads="1" noTextEdit="1"/>
+            <a:spLocks noGrp="1" noRot="1" noChangeAspect="1" noChangeArrowheads="1" noTextEdit="1"/>
           </p:cNvSpPr>
           <p:nvPr>
             <p:ph type="sldImg"/>
@@ -2128,7 +2133,7 @@
             </a:extLst>
           </p:cNvPr>
           <p:cNvSpPr>
-            <a:spLocks noChangeArrowheads="1" noTextEdit="1"/>
+            <a:spLocks noGrp="1" noRot="1" noChangeAspect="1" noChangeArrowheads="1" noTextEdit="1"/>
           </p:cNvSpPr>
           <p:nvPr>
             <p:ph type="sldImg"/>
@@ -2381,7 +2386,7 @@
             </a:extLst>
           </p:cNvPr>
           <p:cNvSpPr>
-            <a:spLocks noChangeArrowheads="1" noTextEdit="1"/>
+            <a:spLocks noGrp="1" noRot="1" noChangeAspect="1" noChangeArrowheads="1" noTextEdit="1"/>
           </p:cNvSpPr>
           <p:nvPr>
             <p:ph type="sldImg"/>
@@ -2634,7 +2639,7 @@
             </a:extLst>
           </p:cNvPr>
           <p:cNvSpPr>
-            <a:spLocks noChangeArrowheads="1" noTextEdit="1"/>
+            <a:spLocks noGrp="1" noRot="1" noChangeAspect="1" noChangeArrowheads="1" noTextEdit="1"/>
           </p:cNvSpPr>
           <p:nvPr>
             <p:ph type="sldImg"/>
@@ -2887,7 +2892,7 @@
             </a:extLst>
           </p:cNvPr>
           <p:cNvSpPr>
-            <a:spLocks noChangeArrowheads="1" noTextEdit="1"/>
+            <a:spLocks noGrp="1" noRot="1" noChangeAspect="1" noChangeArrowheads="1" noTextEdit="1"/>
           </p:cNvSpPr>
           <p:nvPr>
             <p:ph type="sldImg"/>
@@ -3140,7 +3145,7 @@
             </a:extLst>
           </p:cNvPr>
           <p:cNvSpPr>
-            <a:spLocks noChangeArrowheads="1" noTextEdit="1"/>
+            <a:spLocks noGrp="1" noRot="1" noChangeAspect="1" noChangeArrowheads="1" noTextEdit="1"/>
           </p:cNvSpPr>
           <p:nvPr>
             <p:ph type="sldImg"/>
@@ -3398,7 +3403,7 @@
             </a:extLst>
           </p:cNvPr>
           <p:cNvSpPr>
-            <a:spLocks noChangeArrowheads="1" noTextEdit="1"/>
+            <a:spLocks noGrp="1" noRot="1" noChangeAspect="1" noChangeArrowheads="1" noTextEdit="1"/>
           </p:cNvSpPr>
           <p:nvPr>
             <p:ph type="sldImg"/>
@@ -3651,7 +3656,7 @@
             </a:extLst>
           </p:cNvPr>
           <p:cNvSpPr>
-            <a:spLocks noChangeArrowheads="1" noTextEdit="1"/>
+            <a:spLocks noGrp="1" noRot="1" noChangeAspect="1" noChangeArrowheads="1" noTextEdit="1"/>
           </p:cNvSpPr>
           <p:nvPr>
             <p:ph type="sldImg"/>
@@ -3904,7 +3909,7 @@
             </a:extLst>
           </p:cNvPr>
           <p:cNvSpPr>
-            <a:spLocks noChangeArrowheads="1" noTextEdit="1"/>
+            <a:spLocks noGrp="1" noRot="1" noChangeAspect="1" noChangeArrowheads="1" noTextEdit="1"/>
           </p:cNvSpPr>
           <p:nvPr>
             <p:ph type="sldImg"/>
@@ -4157,7 +4162,7 @@
             </a:extLst>
           </p:cNvPr>
           <p:cNvSpPr>
-            <a:spLocks noChangeArrowheads="1" noTextEdit="1"/>
+            <a:spLocks noGrp="1" noRot="1" noChangeAspect="1" noChangeArrowheads="1" noTextEdit="1"/>
           </p:cNvSpPr>
           <p:nvPr>
             <p:ph type="sldImg"/>
@@ -4410,7 +4415,7 @@
             </a:extLst>
           </p:cNvPr>
           <p:cNvSpPr>
-            <a:spLocks noChangeArrowheads="1" noTextEdit="1"/>
+            <a:spLocks noGrp="1" noRot="1" noChangeAspect="1" noChangeArrowheads="1" noTextEdit="1"/>
           </p:cNvSpPr>
           <p:nvPr>
             <p:ph type="sldImg"/>
@@ -4663,7 +4668,7 @@
             </a:extLst>
           </p:cNvPr>
           <p:cNvSpPr>
-            <a:spLocks noChangeArrowheads="1" noTextEdit="1"/>
+            <a:spLocks noGrp="1" noRot="1" noChangeAspect="1" noChangeArrowheads="1" noTextEdit="1"/>
           </p:cNvSpPr>
           <p:nvPr>
             <p:ph type="sldImg"/>
@@ -4916,7 +4921,7 @@
             </a:extLst>
           </p:cNvPr>
           <p:cNvSpPr>
-            <a:spLocks noChangeArrowheads="1" noTextEdit="1"/>
+            <a:spLocks noGrp="1" noRot="1" noChangeAspect="1" noChangeArrowheads="1" noTextEdit="1"/>
           </p:cNvSpPr>
           <p:nvPr>
             <p:ph type="sldImg"/>
@@ -5169,7 +5174,7 @@
             </a:extLst>
           </p:cNvPr>
           <p:cNvSpPr>
-            <a:spLocks noChangeArrowheads="1" noTextEdit="1"/>
+            <a:spLocks noGrp="1" noRot="1" noChangeAspect="1" noChangeArrowheads="1" noTextEdit="1"/>
           </p:cNvSpPr>
           <p:nvPr>
             <p:ph type="sldImg"/>
@@ -5422,7 +5427,7 @@
             </a:extLst>
           </p:cNvPr>
           <p:cNvSpPr>
-            <a:spLocks noChangeArrowheads="1" noTextEdit="1"/>
+            <a:spLocks noGrp="1" noRot="1" noChangeAspect="1" noChangeArrowheads="1" noTextEdit="1"/>
           </p:cNvSpPr>
           <p:nvPr>
             <p:ph type="sldImg"/>
@@ -5675,7 +5680,7 @@
             </a:extLst>
           </p:cNvPr>
           <p:cNvSpPr>
-            <a:spLocks noChangeArrowheads="1" noTextEdit="1"/>
+            <a:spLocks noGrp="1" noRot="1" noChangeAspect="1" noChangeArrowheads="1" noTextEdit="1"/>
           </p:cNvSpPr>
           <p:nvPr>
             <p:ph type="sldImg"/>
@@ -6013,7 +6018,7 @@
             </a:extLst>
           </p:cNvPr>
           <p:cNvSpPr>
-            <a:spLocks noChangeArrowheads="1" noTextEdit="1"/>
+            <a:spLocks noGrp="1" noRot="1" noChangeAspect="1" noChangeArrowheads="1" noTextEdit="1"/>
           </p:cNvSpPr>
           <p:nvPr>
             <p:ph type="sldImg"/>
@@ -6266,7 +6271,7 @@
             </a:extLst>
           </p:cNvPr>
           <p:cNvSpPr>
-            <a:spLocks noChangeArrowheads="1" noTextEdit="1"/>
+            <a:spLocks noGrp="1" noRot="1" noChangeAspect="1" noChangeArrowheads="1" noTextEdit="1"/>
           </p:cNvSpPr>
           <p:nvPr>
             <p:ph type="sldImg"/>
@@ -6519,7 +6524,7 @@
             </a:extLst>
           </p:cNvPr>
           <p:cNvSpPr>
-            <a:spLocks noChangeArrowheads="1" noTextEdit="1"/>
+            <a:spLocks noGrp="1" noRot="1" noChangeAspect="1" noChangeArrowheads="1" noTextEdit="1"/>
           </p:cNvSpPr>
           <p:nvPr>
             <p:ph type="sldImg"/>
@@ -6772,7 +6777,7 @@
             </a:extLst>
           </p:cNvPr>
           <p:cNvSpPr>
-            <a:spLocks noChangeArrowheads="1" noTextEdit="1"/>
+            <a:spLocks noGrp="1" noRot="1" noChangeAspect="1" noChangeArrowheads="1" noTextEdit="1"/>
           </p:cNvSpPr>
           <p:nvPr>
             <p:ph type="sldImg"/>
@@ -7025,7 +7030,7 @@
             </a:extLst>
           </p:cNvPr>
           <p:cNvSpPr>
-            <a:spLocks noChangeArrowheads="1" noTextEdit="1"/>
+            <a:spLocks noGrp="1" noRot="1" noChangeAspect="1" noChangeArrowheads="1" noTextEdit="1"/>
           </p:cNvSpPr>
           <p:nvPr>
             <p:ph type="sldImg"/>
@@ -7278,7 +7283,7 @@
             </a:extLst>
           </p:cNvPr>
           <p:cNvSpPr>
-            <a:spLocks noChangeArrowheads="1" noTextEdit="1"/>
+            <a:spLocks noGrp="1" noRot="1" noChangeAspect="1" noChangeArrowheads="1" noTextEdit="1"/>
           </p:cNvSpPr>
           <p:nvPr>
             <p:ph type="sldImg"/>
@@ -7531,7 +7536,7 @@
             </a:extLst>
           </p:cNvPr>
           <p:cNvSpPr>
-            <a:spLocks noChangeArrowheads="1" noTextEdit="1"/>
+            <a:spLocks noGrp="1" noRot="1" noChangeAspect="1" noChangeArrowheads="1" noTextEdit="1"/>
           </p:cNvSpPr>
           <p:nvPr>
             <p:ph type="sldImg"/>
@@ -7784,7 +7789,7 @@
             </a:extLst>
           </p:cNvPr>
           <p:cNvSpPr>
-            <a:spLocks noChangeArrowheads="1" noTextEdit="1"/>
+            <a:spLocks noGrp="1" noRot="1" noChangeAspect="1" noChangeArrowheads="1" noTextEdit="1"/>
           </p:cNvSpPr>
           <p:nvPr>
             <p:ph type="sldImg"/>
@@ -8037,7 +8042,7 @@
             </a:extLst>
           </p:cNvPr>
           <p:cNvSpPr>
-            <a:spLocks noChangeArrowheads="1" noTextEdit="1"/>
+            <a:spLocks noGrp="1" noRot="1" noChangeAspect="1" noChangeArrowheads="1" noTextEdit="1"/>
           </p:cNvSpPr>
           <p:nvPr>
             <p:ph type="sldImg"/>
@@ -8290,7 +8295,7 @@
             </a:extLst>
           </p:cNvPr>
           <p:cNvSpPr>
-            <a:spLocks noChangeArrowheads="1" noTextEdit="1"/>
+            <a:spLocks noGrp="1" noRot="1" noChangeAspect="1" noChangeArrowheads="1" noTextEdit="1"/>
           </p:cNvSpPr>
           <p:nvPr>
             <p:ph type="sldImg"/>
@@ -8543,7 +8548,7 @@
             </a:extLst>
           </p:cNvPr>
           <p:cNvSpPr>
-            <a:spLocks noChangeArrowheads="1" noTextEdit="1"/>
+            <a:spLocks noGrp="1" noRot="1" noChangeAspect="1" noChangeArrowheads="1" noTextEdit="1"/>
           </p:cNvSpPr>
           <p:nvPr>
             <p:ph type="sldImg"/>
@@ -8796,7 +8801,7 @@
             </a:extLst>
           </p:cNvPr>
           <p:cNvSpPr>
-            <a:spLocks noChangeArrowheads="1" noTextEdit="1"/>
+            <a:spLocks noGrp="1" noRot="1" noChangeAspect="1" noChangeArrowheads="1" noTextEdit="1"/>
           </p:cNvSpPr>
           <p:nvPr>
             <p:ph type="sldImg"/>
@@ -9049,7 +9054,7 @@
             </a:extLst>
           </p:cNvPr>
           <p:cNvSpPr>
-            <a:spLocks noChangeArrowheads="1" noTextEdit="1"/>
+            <a:spLocks noGrp="1" noRot="1" noChangeAspect="1" noChangeArrowheads="1" noTextEdit="1"/>
           </p:cNvSpPr>
           <p:nvPr>
             <p:ph type="sldImg"/>
@@ -9302,7 +9307,7 @@
             </a:extLst>
           </p:cNvPr>
           <p:cNvSpPr>
-            <a:spLocks noChangeArrowheads="1" noTextEdit="1"/>
+            <a:spLocks noGrp="1" noRot="1" noChangeAspect="1" noChangeArrowheads="1" noTextEdit="1"/>
           </p:cNvSpPr>
           <p:nvPr>
             <p:ph type="sldImg"/>
@@ -9555,7 +9560,7 @@
             </a:extLst>
           </p:cNvPr>
           <p:cNvSpPr>
-            <a:spLocks noChangeArrowheads="1" noTextEdit="1"/>
+            <a:spLocks noGrp="1" noRot="1" noChangeAspect="1" noChangeArrowheads="1" noTextEdit="1"/>
           </p:cNvSpPr>
           <p:nvPr>
             <p:ph type="sldImg"/>
@@ -13795,6 +13800,84 @@
             <a:r>
               <a:rPr lang="en-US" altLang="en-US" dirty="0"/>
               <a:t>But often a fundamental part of passing objects to methods</a:t>
+            </a:r>
+          </a:p>
+        </p:txBody>
+      </p:sp>
+      <p:sp>
+        <p:nvSpPr>
+          <p:cNvPr id="4" name="Rounded Rectangular Callout 3">
+            <a:extLst>
+              <a:ext uri="{FF2B5EF4-FFF2-40B4-BE49-F238E27FC236}">
+                <a16:creationId xmlns:a16="http://schemas.microsoft.com/office/drawing/2014/main" id="{51D9DA83-D665-144C-75CA-3B1B4BB65514}"/>
+              </a:ext>
+            </a:extLst>
+          </p:cNvPr>
+          <p:cNvSpPr/>
+          <p:nvPr/>
+        </p:nvSpPr>
+        <p:spPr bwMode="auto">
+          <a:xfrm>
+            <a:off x="6781800" y="708378"/>
+            <a:ext cx="1676400" cy="815622"/>
+          </a:xfrm>
+          <a:prstGeom prst="wedgeRoundRectCallout">
+            <a:avLst>
+              <a:gd name="adj1" fmla="val -74705"/>
+              <a:gd name="adj2" fmla="val 88798"/>
+              <a:gd name="adj3" fmla="val 16667"/>
+            </a:avLst>
+          </a:prstGeom>
+          <a:solidFill>
+            <a:schemeClr val="accent1"/>
+          </a:solidFill>
+          <a:ln w="9525" cap="flat" cmpd="sng" algn="ctr">
+            <a:solidFill>
+              <a:schemeClr val="tx1"/>
+            </a:solidFill>
+            <a:prstDash val="solid"/>
+            <a:round/>
+            <a:headEnd type="none" w="med" len="med"/>
+            <a:tailEnd type="none" w="med" len="med"/>
+          </a:ln>
+          <a:effectLst/>
+        </p:spPr>
+        <p:txBody>
+          <a:bodyPr vert="horz" wrap="square" lIns="91440" tIns="45720" rIns="91440" bIns="45720" numCol="1" rtlCol="0" anchor="ctr" anchorCtr="0" compatLnSpc="1">
+            <a:prstTxWarp prst="textNoShape">
+              <a:avLst/>
+            </a:prstTxWarp>
+          </a:bodyPr>
+          <a:lstStyle/>
+          <a:p>
+            <a:pPr marL="0" marR="0" indent="0" algn="ctr" defTabSz="914400" rtl="0" eaLnBrk="0" fontAlgn="base" latinLnBrk="0" hangingPunct="0">
+              <a:lnSpc>
+                <a:spcPct val="100000"/>
+              </a:lnSpc>
+              <a:spcBef>
+                <a:spcPct val="0"/>
+              </a:spcBef>
+              <a:spcAft>
+                <a:spcPct val="0"/>
+              </a:spcAft>
+              <a:buClrTx/>
+              <a:buSzTx/>
+              <a:buFontTx/>
+              <a:buNone/>
+              <a:tabLst/>
+            </a:pPr>
+            <a:r>
+              <a:rPr kumimoji="0" lang="en-US" sz="3600" b="0" i="0" u="none" strike="noStrike" cap="none" normalizeH="0" baseline="0" dirty="0">
+                <a:ln>
+                  <a:noFill/>
+                </a:ln>
+                <a:solidFill>
+                  <a:schemeClr val="tx1"/>
+                </a:solidFill>
+                <a:effectLst/>
+                <a:latin typeface="Times" pitchFamily="18" charset="0"/>
+              </a:rPr>
+              <a:t>How?</a:t>
             </a:r>
           </a:p>
         </p:txBody>
